--- a/figures/figure2.pptx
+++ b/figures/figure2.pptx
@@ -104,6 +104,11 @@
       </a:defRPr>
     </a:lvl9pPr>
   </p:defaultTextStyle>
+  <p:extLst>
+    <p:ext uri="{EFAFB233-063F-42B5-8137-9DF3F51BA10A}">
+      <p15:sldGuideLst xmlns:p15="http://schemas.microsoft.com/office/powerpoint/2012/main"/>
+    </p:ext>
+  </p:extLst>
 </p:presentation>
 </file>
 
@@ -3343,8 +3348,8 @@
         </p:blipFill>
         <p:spPr>
           <a:xfrm>
-            <a:off x="6029436" y="759371"/>
-            <a:ext cx="5125547" cy="3844160"/>
+            <a:off x="6029100" y="1200806"/>
+            <a:ext cx="4775202" cy="3581401"/>
           </a:xfrm>
           <a:prstGeom prst="rect">
             <a:avLst/>
@@ -3365,22 +3370,502 @@
           </p:cNvPicPr>
           <p:nvPr/>
         </p:nvPicPr>
-        <p:blipFill>
+        <p:blipFill rotWithShape="1">
           <a:blip r:embed="rId3"/>
-          <a:stretch>
-            <a:fillRect/>
-          </a:stretch>
+          <a:srcRect t="13903" r="5689"/>
+          <a:stretch/>
         </p:blipFill>
         <p:spPr>
           <a:xfrm>
-            <a:off x="903889" y="759371"/>
-            <a:ext cx="5125547" cy="3844160"/>
+            <a:off x="294289" y="1387367"/>
+            <a:ext cx="5734811" cy="3926564"/>
           </a:xfrm>
           <a:prstGeom prst="rect">
             <a:avLst/>
           </a:prstGeom>
         </p:spPr>
       </p:pic>
+      <p:sp>
+        <p:nvSpPr>
+          <p:cNvPr id="2" name="TextBox 1">
+            <a:extLst>
+              <a:ext uri="{FF2B5EF4-FFF2-40B4-BE49-F238E27FC236}">
+                <a16:creationId xmlns:a16="http://schemas.microsoft.com/office/drawing/2014/main" id="{1591DB65-D404-6543-BC33-0DB1F083CFCE}"/>
+              </a:ext>
+            </a:extLst>
+          </p:cNvPr>
+          <p:cNvSpPr txBox="1"/>
+          <p:nvPr/>
+        </p:nvSpPr>
+        <p:spPr>
+          <a:xfrm>
+            <a:off x="1334812" y="1079590"/>
+            <a:ext cx="409904" cy="307777"/>
+          </a:xfrm>
+          <a:prstGeom prst="rect">
+            <a:avLst/>
+          </a:prstGeom>
+          <a:noFill/>
+        </p:spPr>
+        <p:txBody>
+          <a:bodyPr wrap="square" rtlCol="0">
+            <a:spAutoFit/>
+          </a:bodyPr>
+          <a:lstStyle/>
+          <a:p>
+            <a:pPr algn="ctr"/>
+            <a:r>
+              <a:rPr lang="en-US" sz="1400" dirty="0"/>
+              <a:t>H</a:t>
+            </a:r>
+            <a:endParaRPr lang="en-US" dirty="0"/>
+          </a:p>
+        </p:txBody>
+      </p:sp>
+      <p:sp>
+        <p:nvSpPr>
+          <p:cNvPr id="6" name="TextBox 5">
+            <a:extLst>
+              <a:ext uri="{FF2B5EF4-FFF2-40B4-BE49-F238E27FC236}">
+                <a16:creationId xmlns:a16="http://schemas.microsoft.com/office/drawing/2014/main" id="{97FFC703-B2CC-1344-84A1-2CDA233476CC}"/>
+              </a:ext>
+            </a:extLst>
+          </p:cNvPr>
+          <p:cNvSpPr txBox="1"/>
+          <p:nvPr/>
+        </p:nvSpPr>
+        <p:spPr>
+          <a:xfrm>
+            <a:off x="2289938" y="1066103"/>
+            <a:ext cx="409904" cy="307777"/>
+          </a:xfrm>
+          <a:prstGeom prst="rect">
+            <a:avLst/>
+          </a:prstGeom>
+          <a:noFill/>
+        </p:spPr>
+        <p:txBody>
+          <a:bodyPr wrap="square" rtlCol="0">
+            <a:spAutoFit/>
+          </a:bodyPr>
+          <a:lstStyle/>
+          <a:p>
+            <a:pPr algn="ctr"/>
+            <a:r>
+              <a:rPr lang="en-US" sz="1400" dirty="0"/>
+              <a:t>M</a:t>
+            </a:r>
+            <a:endParaRPr lang="en-US" dirty="0"/>
+          </a:p>
+        </p:txBody>
+      </p:sp>
+      <p:sp>
+        <p:nvSpPr>
+          <p:cNvPr id="7" name="TextBox 6">
+            <a:extLst>
+              <a:ext uri="{FF2B5EF4-FFF2-40B4-BE49-F238E27FC236}">
+                <a16:creationId xmlns:a16="http://schemas.microsoft.com/office/drawing/2014/main" id="{E659E950-3041-F043-AE95-A781DBA9A05F}"/>
+              </a:ext>
+            </a:extLst>
+          </p:cNvPr>
+          <p:cNvSpPr txBox="1"/>
+          <p:nvPr/>
+        </p:nvSpPr>
+        <p:spPr>
+          <a:xfrm>
+            <a:off x="5159912" y="1066102"/>
+            <a:ext cx="409904" cy="307777"/>
+          </a:xfrm>
+          <a:prstGeom prst="rect">
+            <a:avLst/>
+          </a:prstGeom>
+          <a:noFill/>
+        </p:spPr>
+        <p:txBody>
+          <a:bodyPr wrap="square" rtlCol="0">
+            <a:spAutoFit/>
+          </a:bodyPr>
+          <a:lstStyle/>
+          <a:p>
+            <a:pPr algn="ctr"/>
+            <a:r>
+              <a:rPr lang="en-US" sz="1400" dirty="0"/>
+              <a:t>H</a:t>
+            </a:r>
+            <a:endParaRPr lang="en-US" dirty="0"/>
+          </a:p>
+        </p:txBody>
+      </p:sp>
+      <p:sp>
+        <p:nvSpPr>
+          <p:cNvPr id="8" name="TextBox 7">
+            <a:extLst>
+              <a:ext uri="{FF2B5EF4-FFF2-40B4-BE49-F238E27FC236}">
+                <a16:creationId xmlns:a16="http://schemas.microsoft.com/office/drawing/2014/main" id="{8791981B-EA03-4943-841B-5AD0E6B6BC1F}"/>
+              </a:ext>
+            </a:extLst>
+          </p:cNvPr>
+          <p:cNvSpPr txBox="1"/>
+          <p:nvPr/>
+        </p:nvSpPr>
+        <p:spPr>
+          <a:xfrm>
+            <a:off x="4200190" y="1079590"/>
+            <a:ext cx="409904" cy="307777"/>
+          </a:xfrm>
+          <a:prstGeom prst="rect">
+            <a:avLst/>
+          </a:prstGeom>
+          <a:noFill/>
+        </p:spPr>
+        <p:txBody>
+          <a:bodyPr wrap="square" rtlCol="0">
+            <a:spAutoFit/>
+          </a:bodyPr>
+          <a:lstStyle/>
+          <a:p>
+            <a:pPr algn="ctr"/>
+            <a:r>
+              <a:rPr lang="en-US" sz="1400" dirty="0"/>
+              <a:t>M</a:t>
+            </a:r>
+            <a:endParaRPr lang="en-US" dirty="0"/>
+          </a:p>
+        </p:txBody>
+      </p:sp>
+      <p:sp>
+        <p:nvSpPr>
+          <p:cNvPr id="10" name="TextBox 9">
+            <a:extLst>
+              <a:ext uri="{FF2B5EF4-FFF2-40B4-BE49-F238E27FC236}">
+                <a16:creationId xmlns:a16="http://schemas.microsoft.com/office/drawing/2014/main" id="{4FF40764-321C-D544-BDDD-7105D3585C42}"/>
+              </a:ext>
+            </a:extLst>
+          </p:cNvPr>
+          <p:cNvSpPr txBox="1"/>
+          <p:nvPr/>
+        </p:nvSpPr>
+        <p:spPr>
+          <a:xfrm>
+            <a:off x="3245064" y="1079589"/>
+            <a:ext cx="409904" cy="307777"/>
+          </a:xfrm>
+          <a:prstGeom prst="rect">
+            <a:avLst/>
+          </a:prstGeom>
+          <a:noFill/>
+        </p:spPr>
+        <p:txBody>
+          <a:bodyPr wrap="square" rtlCol="0">
+            <a:spAutoFit/>
+          </a:bodyPr>
+          <a:lstStyle/>
+          <a:p>
+            <a:pPr algn="ctr"/>
+            <a:r>
+              <a:rPr lang="en-US" sz="1400" dirty="0"/>
+              <a:t>M</a:t>
+            </a:r>
+            <a:endParaRPr lang="en-US" dirty="0"/>
+          </a:p>
+        </p:txBody>
+      </p:sp>
+      <p:sp>
+        <p:nvSpPr>
+          <p:cNvPr id="11" name="TextBox 10">
+            <a:extLst>
+              <a:ext uri="{FF2B5EF4-FFF2-40B4-BE49-F238E27FC236}">
+                <a16:creationId xmlns:a16="http://schemas.microsoft.com/office/drawing/2014/main" id="{27D59678-6D3D-494D-85D0-19868FA742EF}"/>
+              </a:ext>
+            </a:extLst>
+          </p:cNvPr>
+          <p:cNvSpPr txBox="1"/>
+          <p:nvPr/>
+        </p:nvSpPr>
+        <p:spPr>
+          <a:xfrm>
+            <a:off x="6385032" y="1066101"/>
+            <a:ext cx="409904" cy="307777"/>
+          </a:xfrm>
+          <a:prstGeom prst="rect">
+            <a:avLst/>
+          </a:prstGeom>
+          <a:noFill/>
+        </p:spPr>
+        <p:txBody>
+          <a:bodyPr wrap="square" rtlCol="0">
+            <a:spAutoFit/>
+          </a:bodyPr>
+          <a:lstStyle/>
+          <a:p>
+            <a:pPr algn="ctr"/>
+            <a:r>
+              <a:rPr lang="en-US" sz="1400" dirty="0"/>
+              <a:t>M</a:t>
+            </a:r>
+            <a:endParaRPr lang="en-US" dirty="0"/>
+          </a:p>
+        </p:txBody>
+      </p:sp>
+      <p:sp>
+        <p:nvSpPr>
+          <p:cNvPr id="12" name="TextBox 11">
+            <a:extLst>
+              <a:ext uri="{FF2B5EF4-FFF2-40B4-BE49-F238E27FC236}">
+                <a16:creationId xmlns:a16="http://schemas.microsoft.com/office/drawing/2014/main" id="{DDDA46F6-A9A4-344C-9386-945A463DF5B4}"/>
+              </a:ext>
+            </a:extLst>
+          </p:cNvPr>
+          <p:cNvSpPr txBox="1"/>
+          <p:nvPr/>
+        </p:nvSpPr>
+        <p:spPr>
+          <a:xfrm>
+            <a:off x="10246210" y="1066097"/>
+            <a:ext cx="409904" cy="307777"/>
+          </a:xfrm>
+          <a:prstGeom prst="rect">
+            <a:avLst/>
+          </a:prstGeom>
+          <a:noFill/>
+        </p:spPr>
+        <p:txBody>
+          <a:bodyPr wrap="square" rtlCol="0">
+            <a:spAutoFit/>
+          </a:bodyPr>
+          <a:lstStyle/>
+          <a:p>
+            <a:pPr algn="ctr"/>
+            <a:r>
+              <a:rPr lang="en-US" sz="1400" dirty="0"/>
+              <a:t>H</a:t>
+            </a:r>
+            <a:endParaRPr lang="en-US" dirty="0"/>
+          </a:p>
+        </p:txBody>
+      </p:sp>
+      <p:sp>
+        <p:nvSpPr>
+          <p:cNvPr id="13" name="TextBox 12">
+            <a:extLst>
+              <a:ext uri="{FF2B5EF4-FFF2-40B4-BE49-F238E27FC236}">
+                <a16:creationId xmlns:a16="http://schemas.microsoft.com/office/drawing/2014/main" id="{8A6F6DB3-EC71-AE47-8212-E62C7A9E3938}"/>
+              </a:ext>
+            </a:extLst>
+          </p:cNvPr>
+          <p:cNvSpPr txBox="1"/>
+          <p:nvPr/>
+        </p:nvSpPr>
+        <p:spPr>
+          <a:xfrm>
+            <a:off x="9622221" y="1058569"/>
+            <a:ext cx="409904" cy="307777"/>
+          </a:xfrm>
+          <a:prstGeom prst="rect">
+            <a:avLst/>
+          </a:prstGeom>
+          <a:noFill/>
+        </p:spPr>
+        <p:txBody>
+          <a:bodyPr wrap="square" rtlCol="0">
+            <a:spAutoFit/>
+          </a:bodyPr>
+          <a:lstStyle/>
+          <a:p>
+            <a:pPr algn="ctr"/>
+            <a:r>
+              <a:rPr lang="en-US" sz="1400" dirty="0"/>
+              <a:t>H</a:t>
+            </a:r>
+            <a:endParaRPr lang="en-US" dirty="0"/>
+          </a:p>
+        </p:txBody>
+      </p:sp>
+      <p:sp>
+        <p:nvSpPr>
+          <p:cNvPr id="14" name="TextBox 13">
+            <a:extLst>
+              <a:ext uri="{FF2B5EF4-FFF2-40B4-BE49-F238E27FC236}">
+                <a16:creationId xmlns:a16="http://schemas.microsoft.com/office/drawing/2014/main" id="{1CFCAE3A-17E7-F14B-8965-727D11A1D3A1}"/>
+              </a:ext>
+            </a:extLst>
+          </p:cNvPr>
+          <p:cNvSpPr txBox="1"/>
+          <p:nvPr/>
+        </p:nvSpPr>
+        <p:spPr>
+          <a:xfrm>
+            <a:off x="9094951" y="1047358"/>
+            <a:ext cx="409904" cy="307777"/>
+          </a:xfrm>
+          <a:prstGeom prst="rect">
+            <a:avLst/>
+          </a:prstGeom>
+          <a:noFill/>
+        </p:spPr>
+        <p:txBody>
+          <a:bodyPr wrap="square" rtlCol="0">
+            <a:spAutoFit/>
+          </a:bodyPr>
+          <a:lstStyle/>
+          <a:p>
+            <a:pPr algn="ctr"/>
+            <a:r>
+              <a:rPr lang="en-US" sz="1400" dirty="0"/>
+              <a:t>M</a:t>
+            </a:r>
+            <a:endParaRPr lang="en-US" dirty="0"/>
+          </a:p>
+        </p:txBody>
+      </p:sp>
+      <p:sp>
+        <p:nvSpPr>
+          <p:cNvPr id="15" name="TextBox 14">
+            <a:extLst>
+              <a:ext uri="{FF2B5EF4-FFF2-40B4-BE49-F238E27FC236}">
+                <a16:creationId xmlns:a16="http://schemas.microsoft.com/office/drawing/2014/main" id="{536CA231-8833-8943-987A-D713C5319E32}"/>
+              </a:ext>
+            </a:extLst>
+          </p:cNvPr>
+          <p:cNvSpPr txBox="1"/>
+          <p:nvPr/>
+        </p:nvSpPr>
+        <p:spPr>
+          <a:xfrm>
+            <a:off x="8567681" y="1052612"/>
+            <a:ext cx="409904" cy="307777"/>
+          </a:xfrm>
+          <a:prstGeom prst="rect">
+            <a:avLst/>
+          </a:prstGeom>
+          <a:noFill/>
+        </p:spPr>
+        <p:txBody>
+          <a:bodyPr wrap="square" rtlCol="0">
+            <a:spAutoFit/>
+          </a:bodyPr>
+          <a:lstStyle/>
+          <a:p>
+            <a:pPr algn="ctr"/>
+            <a:r>
+              <a:rPr lang="en-US" sz="1400" dirty="0"/>
+              <a:t>H</a:t>
+            </a:r>
+            <a:endParaRPr lang="en-US" dirty="0"/>
+          </a:p>
+        </p:txBody>
+      </p:sp>
+      <p:sp>
+        <p:nvSpPr>
+          <p:cNvPr id="16" name="TextBox 15">
+            <a:extLst>
+              <a:ext uri="{FF2B5EF4-FFF2-40B4-BE49-F238E27FC236}">
+                <a16:creationId xmlns:a16="http://schemas.microsoft.com/office/drawing/2014/main" id="{E99E1913-A349-C346-8718-553E6F87386E}"/>
+              </a:ext>
+            </a:extLst>
+          </p:cNvPr>
+          <p:cNvSpPr txBox="1"/>
+          <p:nvPr/>
+        </p:nvSpPr>
+        <p:spPr>
+          <a:xfrm>
+            <a:off x="8006797" y="1066098"/>
+            <a:ext cx="409904" cy="307777"/>
+          </a:xfrm>
+          <a:prstGeom prst="rect">
+            <a:avLst/>
+          </a:prstGeom>
+          <a:noFill/>
+        </p:spPr>
+        <p:txBody>
+          <a:bodyPr wrap="square" rtlCol="0">
+            <a:spAutoFit/>
+          </a:bodyPr>
+          <a:lstStyle/>
+          <a:p>
+            <a:pPr algn="ctr"/>
+            <a:r>
+              <a:rPr lang="en-US" sz="1400" dirty="0"/>
+              <a:t>H</a:t>
+            </a:r>
+            <a:endParaRPr lang="en-US" dirty="0"/>
+          </a:p>
+        </p:txBody>
+      </p:sp>
+      <p:sp>
+        <p:nvSpPr>
+          <p:cNvPr id="17" name="TextBox 16">
+            <a:extLst>
+              <a:ext uri="{FF2B5EF4-FFF2-40B4-BE49-F238E27FC236}">
+                <a16:creationId xmlns:a16="http://schemas.microsoft.com/office/drawing/2014/main" id="{20DA723F-3A5D-324C-898C-77B56B881AD8}"/>
+              </a:ext>
+            </a:extLst>
+          </p:cNvPr>
+          <p:cNvSpPr txBox="1"/>
+          <p:nvPr/>
+        </p:nvSpPr>
+        <p:spPr>
+          <a:xfrm>
+            <a:off x="7479527" y="1066100"/>
+            <a:ext cx="409904" cy="307777"/>
+          </a:xfrm>
+          <a:prstGeom prst="rect">
+            <a:avLst/>
+          </a:prstGeom>
+          <a:noFill/>
+        </p:spPr>
+        <p:txBody>
+          <a:bodyPr wrap="square" rtlCol="0">
+            <a:spAutoFit/>
+          </a:bodyPr>
+          <a:lstStyle/>
+          <a:p>
+            <a:pPr algn="ctr"/>
+            <a:r>
+              <a:rPr lang="en-US" sz="1400" dirty="0"/>
+              <a:t>M</a:t>
+            </a:r>
+            <a:endParaRPr lang="en-US" dirty="0"/>
+          </a:p>
+        </p:txBody>
+      </p:sp>
+      <p:sp>
+        <p:nvSpPr>
+          <p:cNvPr id="18" name="TextBox 17">
+            <a:extLst>
+              <a:ext uri="{FF2B5EF4-FFF2-40B4-BE49-F238E27FC236}">
+                <a16:creationId xmlns:a16="http://schemas.microsoft.com/office/drawing/2014/main" id="{ED307AC7-9DB2-D346-87DD-49FC1518F9A2}"/>
+              </a:ext>
+            </a:extLst>
+          </p:cNvPr>
+          <p:cNvSpPr txBox="1"/>
+          <p:nvPr/>
+        </p:nvSpPr>
+        <p:spPr>
+          <a:xfrm>
+            <a:off x="6945916" y="1045079"/>
+            <a:ext cx="409904" cy="307777"/>
+          </a:xfrm>
+          <a:prstGeom prst="rect">
+            <a:avLst/>
+          </a:prstGeom>
+          <a:noFill/>
+        </p:spPr>
+        <p:txBody>
+          <a:bodyPr wrap="square" rtlCol="0">
+            <a:spAutoFit/>
+          </a:bodyPr>
+          <a:lstStyle/>
+          <a:p>
+            <a:pPr algn="ctr"/>
+            <a:r>
+              <a:rPr lang="en-US" sz="1400" dirty="0"/>
+              <a:t>M</a:t>
+            </a:r>
+            <a:endParaRPr lang="en-US" dirty="0"/>
+          </a:p>
+        </p:txBody>
+      </p:sp>
     </p:spTree>
     <p:extLst>
       <p:ext uri="{BB962C8B-B14F-4D97-AF65-F5344CB8AC3E}">

--- a/figures/figure2.pptx
+++ b/figures/figure2.pptx
@@ -3328,10 +3328,10 @@
       </p:grpSpPr>
       <p:pic>
         <p:nvPicPr>
-          <p:cNvPr id="5" name="Picture 4">
-            <a:extLst>
-              <a:ext uri="{FF2B5EF4-FFF2-40B4-BE49-F238E27FC236}">
-                <a16:creationId xmlns:a16="http://schemas.microsoft.com/office/drawing/2014/main" id="{1673904F-90F5-144E-A871-25D23B43421D}"/>
+          <p:cNvPr id="4" name="Picture 3">
+            <a:extLst>
+              <a:ext uri="{FF2B5EF4-FFF2-40B4-BE49-F238E27FC236}">
+                <a16:creationId xmlns:a16="http://schemas.microsoft.com/office/drawing/2014/main" id="{A0EA2F82-24C1-A541-B024-8A2100210817}"/>
               </a:ext>
             </a:extLst>
           </p:cNvPr>
@@ -3348,8 +3348,8 @@
         </p:blipFill>
         <p:spPr>
           <a:xfrm>
-            <a:off x="6029100" y="1200806"/>
-            <a:ext cx="4775202" cy="3581401"/>
+            <a:off x="2369416" y="1794289"/>
+            <a:ext cx="3200400" cy="3200400"/>
           </a:xfrm>
           <a:prstGeom prst="rect">
             <a:avLst/>
@@ -3358,10 +3358,10 @@
       </p:pic>
       <p:pic>
         <p:nvPicPr>
-          <p:cNvPr id="9" name="Picture 8">
-            <a:extLst>
-              <a:ext uri="{FF2B5EF4-FFF2-40B4-BE49-F238E27FC236}">
-                <a16:creationId xmlns:a16="http://schemas.microsoft.com/office/drawing/2014/main" id="{3F3906CD-9F81-C84A-A54D-95DF996D487A}"/>
+          <p:cNvPr id="20" name="Picture 19">
+            <a:extLst>
+              <a:ext uri="{FF2B5EF4-FFF2-40B4-BE49-F238E27FC236}">
+                <a16:creationId xmlns:a16="http://schemas.microsoft.com/office/drawing/2014/main" id="{549022CE-95AB-FB41-8B4B-6470BDAD6E1B}"/>
               </a:ext>
             </a:extLst>
           </p:cNvPr>
@@ -3370,15 +3370,16 @@
           </p:cNvPicPr>
           <p:nvPr/>
         </p:nvPicPr>
-        <p:blipFill rotWithShape="1">
+        <p:blipFill>
           <a:blip r:embed="rId3"/>
-          <a:srcRect t="13903" r="5689"/>
-          <a:stretch/>
+          <a:stretch>
+            <a:fillRect/>
+          </a:stretch>
         </p:blipFill>
         <p:spPr>
           <a:xfrm>
-            <a:off x="294289" y="1387367"/>
-            <a:ext cx="5734811" cy="3926564"/>
+            <a:off x="5572233" y="1794289"/>
+            <a:ext cx="3200400" cy="3200400"/>
           </a:xfrm>
           <a:prstGeom prst="rect">
             <a:avLst/>
@@ -3399,7 +3400,7 @@
         </p:nvSpPr>
         <p:spPr>
           <a:xfrm>
-            <a:off x="1334812" y="1079590"/>
+            <a:off x="3039613" y="1652479"/>
             <a:ext cx="409904" cy="307777"/>
           </a:xfrm>
           <a:prstGeom prst="rect">
@@ -3436,7 +3437,7 @@
         </p:nvSpPr>
         <p:spPr>
           <a:xfrm>
-            <a:off x="2289938" y="1066103"/>
+            <a:off x="3527188" y="1658436"/>
             <a:ext cx="409904" cy="307777"/>
           </a:xfrm>
           <a:prstGeom prst="rect">
@@ -3461,10 +3462,10 @@
       </p:sp>
       <p:sp>
         <p:nvSpPr>
-          <p:cNvPr id="7" name="TextBox 6">
-            <a:extLst>
-              <a:ext uri="{FF2B5EF4-FFF2-40B4-BE49-F238E27FC236}">
-                <a16:creationId xmlns:a16="http://schemas.microsoft.com/office/drawing/2014/main" id="{E659E950-3041-F043-AE95-A781DBA9A05F}"/>
+          <p:cNvPr id="10" name="TextBox 9">
+            <a:extLst>
+              <a:ext uri="{FF2B5EF4-FFF2-40B4-BE49-F238E27FC236}">
+                <a16:creationId xmlns:a16="http://schemas.microsoft.com/office/drawing/2014/main" id="{4FF40764-321C-D544-BDDD-7105D3585C42}"/>
               </a:ext>
             </a:extLst>
           </p:cNvPr>
@@ -3473,7 +3474,7 @@
         </p:nvSpPr>
         <p:spPr>
           <a:xfrm>
-            <a:off x="5159912" y="1066102"/>
+            <a:off x="4004822" y="1659215"/>
             <a:ext cx="409904" cy="307777"/>
           </a:xfrm>
           <a:prstGeom prst="rect">
@@ -3490,7 +3491,7 @@
             <a:pPr algn="ctr"/>
             <a:r>
               <a:rPr lang="en-US" sz="1400" dirty="0"/>
-              <a:t>H</a:t>
+              <a:t>M</a:t>
             </a:r>
             <a:endParaRPr lang="en-US" dirty="0"/>
           </a:p>
@@ -3510,7 +3511,7 @@
         </p:nvSpPr>
         <p:spPr>
           <a:xfrm>
-            <a:off x="4200190" y="1079590"/>
+            <a:off x="4500366" y="1658436"/>
             <a:ext cx="409904" cy="307777"/>
           </a:xfrm>
           <a:prstGeom prst="rect">
@@ -3535,10 +3536,10 @@
       </p:sp>
       <p:sp>
         <p:nvSpPr>
-          <p:cNvPr id="10" name="TextBox 9">
-            <a:extLst>
-              <a:ext uri="{FF2B5EF4-FFF2-40B4-BE49-F238E27FC236}">
-                <a16:creationId xmlns:a16="http://schemas.microsoft.com/office/drawing/2014/main" id="{4FF40764-321C-D544-BDDD-7105D3585C42}"/>
+          <p:cNvPr id="7" name="TextBox 6">
+            <a:extLst>
+              <a:ext uri="{FF2B5EF4-FFF2-40B4-BE49-F238E27FC236}">
+                <a16:creationId xmlns:a16="http://schemas.microsoft.com/office/drawing/2014/main" id="{E659E950-3041-F043-AE95-A781DBA9A05F}"/>
               </a:ext>
             </a:extLst>
           </p:cNvPr>
@@ -3547,7 +3548,7 @@
         </p:nvSpPr>
         <p:spPr>
           <a:xfrm>
-            <a:off x="3245064" y="1079589"/>
+            <a:off x="4980148" y="1652480"/>
             <a:ext cx="409904" cy="307777"/>
           </a:xfrm>
           <a:prstGeom prst="rect">
@@ -3564,7 +3565,7 @@
             <a:pPr algn="ctr"/>
             <a:r>
               <a:rPr lang="en-US" sz="1400" dirty="0"/>
-              <a:t>M</a:t>
+              <a:t>H</a:t>
             </a:r>
             <a:endParaRPr lang="en-US" dirty="0"/>
           </a:p>
@@ -3584,7 +3585,7 @@
         </p:nvSpPr>
         <p:spPr>
           <a:xfrm>
-            <a:off x="6385032" y="1066101"/>
+            <a:off x="6109142" y="1652478"/>
             <a:ext cx="409904" cy="307777"/>
           </a:xfrm>
           <a:prstGeom prst="rect">
@@ -3609,10 +3610,10 @@
       </p:sp>
       <p:sp>
         <p:nvSpPr>
-          <p:cNvPr id="12" name="TextBox 11">
-            <a:extLst>
-              <a:ext uri="{FF2B5EF4-FFF2-40B4-BE49-F238E27FC236}">
-                <a16:creationId xmlns:a16="http://schemas.microsoft.com/office/drawing/2014/main" id="{DDDA46F6-A9A4-344C-9386-945A463DF5B4}"/>
+          <p:cNvPr id="18" name="TextBox 17">
+            <a:extLst>
+              <a:ext uri="{FF2B5EF4-FFF2-40B4-BE49-F238E27FC236}">
+                <a16:creationId xmlns:a16="http://schemas.microsoft.com/office/drawing/2014/main" id="{ED307AC7-9DB2-D346-87DD-49FC1518F9A2}"/>
               </a:ext>
             </a:extLst>
           </p:cNvPr>
@@ -3621,7 +3622,7 @@
         </p:nvSpPr>
         <p:spPr>
           <a:xfrm>
-            <a:off x="10246210" y="1066097"/>
+            <a:off x="6433108" y="1654037"/>
             <a:ext cx="409904" cy="307777"/>
           </a:xfrm>
           <a:prstGeom prst="rect">
@@ -3638,7 +3639,7 @@
             <a:pPr algn="ctr"/>
             <a:r>
               <a:rPr lang="en-US" sz="1400" dirty="0"/>
-              <a:t>H</a:t>
+              <a:t>M</a:t>
             </a:r>
             <a:endParaRPr lang="en-US" dirty="0"/>
           </a:p>
@@ -3646,10 +3647,10 @@
       </p:sp>
       <p:sp>
         <p:nvSpPr>
-          <p:cNvPr id="13" name="TextBox 12">
-            <a:extLst>
-              <a:ext uri="{FF2B5EF4-FFF2-40B4-BE49-F238E27FC236}">
-                <a16:creationId xmlns:a16="http://schemas.microsoft.com/office/drawing/2014/main" id="{8A6F6DB3-EC71-AE47-8212-E62C7A9E3938}"/>
+          <p:cNvPr id="17" name="TextBox 16">
+            <a:extLst>
+              <a:ext uri="{FF2B5EF4-FFF2-40B4-BE49-F238E27FC236}">
+                <a16:creationId xmlns:a16="http://schemas.microsoft.com/office/drawing/2014/main" id="{20DA723F-3A5D-324C-898C-77B56B881AD8}"/>
               </a:ext>
             </a:extLst>
           </p:cNvPr>
@@ -3658,7 +3659,7 @@
         </p:nvSpPr>
         <p:spPr>
           <a:xfrm>
-            <a:off x="9622221" y="1058569"/>
+            <a:off x="6727588" y="1658608"/>
             <a:ext cx="409904" cy="307777"/>
           </a:xfrm>
           <a:prstGeom prst="rect">
@@ -3675,7 +3676,7 @@
             <a:pPr algn="ctr"/>
             <a:r>
               <a:rPr lang="en-US" sz="1400" dirty="0"/>
-              <a:t>H</a:t>
+              <a:t>M</a:t>
             </a:r>
             <a:endParaRPr lang="en-US" dirty="0"/>
           </a:p>
@@ -3683,10 +3684,10 @@
       </p:sp>
       <p:sp>
         <p:nvSpPr>
-          <p:cNvPr id="14" name="TextBox 13">
-            <a:extLst>
-              <a:ext uri="{FF2B5EF4-FFF2-40B4-BE49-F238E27FC236}">
-                <a16:creationId xmlns:a16="http://schemas.microsoft.com/office/drawing/2014/main" id="{1CFCAE3A-17E7-F14B-8965-727D11A1D3A1}"/>
+          <p:cNvPr id="16" name="TextBox 15">
+            <a:extLst>
+              <a:ext uri="{FF2B5EF4-FFF2-40B4-BE49-F238E27FC236}">
+                <a16:creationId xmlns:a16="http://schemas.microsoft.com/office/drawing/2014/main" id="{E99E1913-A349-C346-8718-553E6F87386E}"/>
               </a:ext>
             </a:extLst>
           </p:cNvPr>
@@ -3695,7 +3696,7 @@
         </p:nvSpPr>
         <p:spPr>
           <a:xfrm>
-            <a:off x="9094951" y="1047358"/>
+            <a:off x="7051554" y="1649688"/>
             <a:ext cx="409904" cy="307777"/>
           </a:xfrm>
           <a:prstGeom prst="rect">
@@ -3712,7 +3713,7 @@
             <a:pPr algn="ctr"/>
             <a:r>
               <a:rPr lang="en-US" sz="1400" dirty="0"/>
-              <a:t>M</a:t>
+              <a:t>H</a:t>
             </a:r>
             <a:endParaRPr lang="en-US" dirty="0"/>
           </a:p>
@@ -3732,7 +3733,7 @@
         </p:nvSpPr>
         <p:spPr>
           <a:xfrm>
-            <a:off x="8567681" y="1052612"/>
+            <a:off x="7346034" y="1649689"/>
             <a:ext cx="409904" cy="307777"/>
           </a:xfrm>
           <a:prstGeom prst="rect">
@@ -3757,10 +3758,10 @@
       </p:sp>
       <p:sp>
         <p:nvSpPr>
-          <p:cNvPr id="16" name="TextBox 15">
-            <a:extLst>
-              <a:ext uri="{FF2B5EF4-FFF2-40B4-BE49-F238E27FC236}">
-                <a16:creationId xmlns:a16="http://schemas.microsoft.com/office/drawing/2014/main" id="{E99E1913-A349-C346-8718-553E6F87386E}"/>
+          <p:cNvPr id="14" name="TextBox 13">
+            <a:extLst>
+              <a:ext uri="{FF2B5EF4-FFF2-40B4-BE49-F238E27FC236}">
+                <a16:creationId xmlns:a16="http://schemas.microsoft.com/office/drawing/2014/main" id="{1CFCAE3A-17E7-F14B-8965-727D11A1D3A1}"/>
               </a:ext>
             </a:extLst>
           </p:cNvPr>
@@ -3769,7 +3770,7 @@
         </p:nvSpPr>
         <p:spPr>
           <a:xfrm>
-            <a:off x="8006797" y="1066098"/>
+            <a:off x="7670000" y="1650910"/>
             <a:ext cx="409904" cy="307777"/>
           </a:xfrm>
           <a:prstGeom prst="rect">
@@ -3786,7 +3787,7 @@
             <a:pPr algn="ctr"/>
             <a:r>
               <a:rPr lang="en-US" sz="1400" dirty="0"/>
-              <a:t>H</a:t>
+              <a:t>M</a:t>
             </a:r>
             <a:endParaRPr lang="en-US" dirty="0"/>
           </a:p>
@@ -3794,10 +3795,10 @@
       </p:sp>
       <p:sp>
         <p:nvSpPr>
-          <p:cNvPr id="17" name="TextBox 16">
-            <a:extLst>
-              <a:ext uri="{FF2B5EF4-FFF2-40B4-BE49-F238E27FC236}">
-                <a16:creationId xmlns:a16="http://schemas.microsoft.com/office/drawing/2014/main" id="{20DA723F-3A5D-324C-898C-77B56B881AD8}"/>
+          <p:cNvPr id="13" name="TextBox 12">
+            <a:extLst>
+              <a:ext uri="{FF2B5EF4-FFF2-40B4-BE49-F238E27FC236}">
+                <a16:creationId xmlns:a16="http://schemas.microsoft.com/office/drawing/2014/main" id="{8A6F6DB3-EC71-AE47-8212-E62C7A9E3938}"/>
               </a:ext>
             </a:extLst>
           </p:cNvPr>
@@ -3806,7 +3807,7 @@
         </p:nvSpPr>
         <p:spPr>
           <a:xfrm>
-            <a:off x="7479527" y="1066100"/>
+            <a:off x="7960592" y="1658435"/>
             <a:ext cx="409904" cy="307777"/>
           </a:xfrm>
           <a:prstGeom prst="rect">
@@ -3823,7 +3824,7 @@
             <a:pPr algn="ctr"/>
             <a:r>
               <a:rPr lang="en-US" sz="1400" dirty="0"/>
-              <a:t>M</a:t>
+              <a:t>H</a:t>
             </a:r>
             <a:endParaRPr lang="en-US" dirty="0"/>
           </a:p>
@@ -3831,10 +3832,10 @@
       </p:sp>
       <p:sp>
         <p:nvSpPr>
-          <p:cNvPr id="18" name="TextBox 17">
-            <a:extLst>
-              <a:ext uri="{FF2B5EF4-FFF2-40B4-BE49-F238E27FC236}">
-                <a16:creationId xmlns:a16="http://schemas.microsoft.com/office/drawing/2014/main" id="{ED307AC7-9DB2-D346-87DD-49FC1518F9A2}"/>
+          <p:cNvPr id="12" name="TextBox 11">
+            <a:extLst>
+              <a:ext uri="{FF2B5EF4-FFF2-40B4-BE49-F238E27FC236}">
+                <a16:creationId xmlns:a16="http://schemas.microsoft.com/office/drawing/2014/main" id="{DDDA46F6-A9A4-344C-9386-945A463DF5B4}"/>
               </a:ext>
             </a:extLst>
           </p:cNvPr>
@@ -3843,7 +3844,7 @@
         </p:nvSpPr>
         <p:spPr>
           <a:xfrm>
-            <a:off x="6945916" y="1045079"/>
+            <a:off x="8270076" y="1650909"/>
             <a:ext cx="409904" cy="307777"/>
           </a:xfrm>
           <a:prstGeom prst="rect">
@@ -3860,7 +3861,7 @@
             <a:pPr algn="ctr"/>
             <a:r>
               <a:rPr lang="en-US" sz="1400" dirty="0"/>
-              <a:t>M</a:t>
+              <a:t>H</a:t>
             </a:r>
             <a:endParaRPr lang="en-US" dirty="0"/>
           </a:p>
